--- a/ppt/04-13.pptx
+++ b/ppt/04-13.pptx
@@ -7,6 +7,10 @@
   <p:sldIdLst>
     <p:sldId id="258" r:id="rId2"/>
     <p:sldId id="259" r:id="rId3"/>
+    <p:sldId id="260" r:id="rId4"/>
+    <p:sldId id="261" r:id="rId5"/>
+    <p:sldId id="262" r:id="rId6"/>
+    <p:sldId id="263" r:id="rId7"/>
   </p:sldIdLst>
   <p:sldSz cx="12192000" cy="6858000"/>
   <p:notesSz cx="6858000" cy="9144000"/>
@@ -3204,10 +3208,457 @@
           <a:chExt cx="0" cy="0"/>
         </a:xfrm>
       </p:grpSpPr>
+      <p:sp>
+        <p:nvSpPr>
+          <p:cNvPr id="2" name="TextBox 1"/>
+          <p:cNvSpPr txBox="1"/>
+          <p:nvPr/>
+        </p:nvSpPr>
+        <p:spPr>
+          <a:xfrm>
+            <a:off x="423334" y="323334"/>
+            <a:ext cx="1821332" cy="369332"/>
+          </a:xfrm>
+          <a:prstGeom prst="rect">
+            <a:avLst/>
+          </a:prstGeom>
+          <a:noFill/>
+        </p:spPr>
+        <p:txBody>
+          <a:bodyPr wrap="none" rtlCol="0">
+            <a:spAutoFit/>
+          </a:bodyPr>
+          <a:lstStyle/>
+          <a:p>
+            <a:r>
+              <a:rPr lang="en-US" altLang="ko-KR" dirty="0"/>
+              <a:t>UI-SJN-32-020L</a:t>
+            </a:r>
+            <a:endParaRPr lang="ko-KR" altLang="en-US" dirty="0"/>
+          </a:p>
+        </p:txBody>
+      </p:sp>
+      <p:sp>
+        <p:nvSpPr>
+          <p:cNvPr id="3" name="TextBox 2"/>
+          <p:cNvSpPr txBox="1"/>
+          <p:nvPr/>
+        </p:nvSpPr>
+        <p:spPr>
+          <a:xfrm>
+            <a:off x="2056229" y="4317999"/>
+            <a:ext cx="1821332" cy="369332"/>
+          </a:xfrm>
+          <a:prstGeom prst="rect">
+            <a:avLst/>
+          </a:prstGeom>
+          <a:noFill/>
+        </p:spPr>
+        <p:txBody>
+          <a:bodyPr wrap="none" rtlCol="0">
+            <a:spAutoFit/>
+          </a:bodyPr>
+          <a:lstStyle/>
+          <a:p>
+            <a:r>
+              <a:rPr lang="en-US" altLang="ko-KR" dirty="0"/>
+              <a:t>UI-SJN-32-021L</a:t>
+            </a:r>
+            <a:endParaRPr lang="ko-KR" altLang="en-US" dirty="0"/>
+          </a:p>
+        </p:txBody>
+      </p:sp>
+      <p:pic>
+        <p:nvPicPr>
+          <p:cNvPr id="4" name="그림 3"/>
+          <p:cNvPicPr>
+            <a:picLocks noChangeAspect="1"/>
+          </p:cNvPicPr>
+          <p:nvPr/>
+        </p:nvPicPr>
+        <p:blipFill>
+          <a:blip r:embed="rId2"/>
+          <a:stretch>
+            <a:fillRect/>
+          </a:stretch>
+        </p:blipFill>
+        <p:spPr>
+          <a:xfrm>
+            <a:off x="6407243" y="834241"/>
+            <a:ext cx="3221380" cy="2772558"/>
+          </a:xfrm>
+          <a:prstGeom prst="rect">
+            <a:avLst/>
+          </a:prstGeom>
+        </p:spPr>
+      </p:pic>
+      <p:pic>
+        <p:nvPicPr>
+          <p:cNvPr id="5" name="그림 4"/>
+          <p:cNvPicPr>
+            <a:picLocks noChangeAspect="1"/>
+          </p:cNvPicPr>
+          <p:nvPr/>
+        </p:nvPicPr>
+        <p:blipFill>
+          <a:blip r:embed="rId3"/>
+          <a:stretch>
+            <a:fillRect/>
+          </a:stretch>
+        </p:blipFill>
+        <p:spPr>
+          <a:xfrm>
+            <a:off x="423334" y="834241"/>
+            <a:ext cx="3265790" cy="2772558"/>
+          </a:xfrm>
+          <a:prstGeom prst="rect">
+            <a:avLst/>
+          </a:prstGeom>
+        </p:spPr>
+      </p:pic>
+      <p:cxnSp>
+        <p:nvCxnSpPr>
+          <p:cNvPr id="7" name="직선 화살표 연결선 6"/>
+          <p:cNvCxnSpPr/>
+          <p:nvPr/>
+        </p:nvCxnSpPr>
+        <p:spPr>
+          <a:xfrm flipV="1">
+            <a:off x="5664200" y="1210734"/>
+            <a:ext cx="1549400" cy="803532"/>
+          </a:xfrm>
+          <a:prstGeom prst="straightConnector1">
+            <a:avLst/>
+          </a:prstGeom>
+          <a:ln>
+            <a:tailEnd type="triangle"/>
+          </a:ln>
+        </p:spPr>
+        <p:style>
+          <a:lnRef idx="1">
+            <a:schemeClr val="accent1"/>
+          </a:lnRef>
+          <a:fillRef idx="0">
+            <a:schemeClr val="accent1"/>
+          </a:fillRef>
+          <a:effectRef idx="0">
+            <a:schemeClr val="accent1"/>
+          </a:effectRef>
+          <a:fontRef idx="minor">
+            <a:schemeClr val="tx1"/>
+          </a:fontRef>
+        </p:style>
+      </p:cxnSp>
+      <p:sp>
+        <p:nvSpPr>
+          <p:cNvPr id="8" name="TextBox 7"/>
+          <p:cNvSpPr txBox="1"/>
+          <p:nvPr/>
+        </p:nvSpPr>
+        <p:spPr>
+          <a:xfrm>
+            <a:off x="4826618" y="1921933"/>
+            <a:ext cx="646331" cy="369332"/>
+          </a:xfrm>
+          <a:prstGeom prst="rect">
+            <a:avLst/>
+          </a:prstGeom>
+          <a:noFill/>
+        </p:spPr>
+        <p:txBody>
+          <a:bodyPr wrap="none" rtlCol="0">
+            <a:spAutoFit/>
+          </a:bodyPr>
+          <a:lstStyle/>
+          <a:p>
+            <a:r>
+              <a:rPr lang="ko-KR" altLang="en-US" dirty="0" smtClean="0"/>
+              <a:t>변경</a:t>
+            </a:r>
+            <a:endParaRPr lang="ko-KR" altLang="en-US" dirty="0"/>
+          </a:p>
+        </p:txBody>
+      </p:sp>
+      <p:cxnSp>
+        <p:nvCxnSpPr>
+          <p:cNvPr id="11" name="직선 화살표 연결선 10"/>
+          <p:cNvCxnSpPr/>
+          <p:nvPr/>
+        </p:nvCxnSpPr>
+        <p:spPr>
+          <a:xfrm flipV="1">
+            <a:off x="5664200" y="1921933"/>
+            <a:ext cx="1439333" cy="184666"/>
+          </a:xfrm>
+          <a:prstGeom prst="straightConnector1">
+            <a:avLst/>
+          </a:prstGeom>
+          <a:ln>
+            <a:tailEnd type="triangle"/>
+          </a:ln>
+        </p:spPr>
+        <p:style>
+          <a:lnRef idx="1">
+            <a:schemeClr val="accent1"/>
+          </a:lnRef>
+          <a:fillRef idx="0">
+            <a:schemeClr val="accent1"/>
+          </a:fillRef>
+          <a:effectRef idx="0">
+            <a:schemeClr val="accent1"/>
+          </a:effectRef>
+          <a:fontRef idx="minor">
+            <a:schemeClr val="tx1"/>
+          </a:fontRef>
+        </p:style>
+      </p:cxnSp>
+      <p:cxnSp>
+        <p:nvCxnSpPr>
+          <p:cNvPr id="13" name="직선 화살표 연결선 12"/>
+          <p:cNvCxnSpPr/>
+          <p:nvPr/>
+        </p:nvCxnSpPr>
+        <p:spPr>
+          <a:xfrm>
+            <a:off x="5664200" y="2220520"/>
+            <a:ext cx="1439333" cy="514213"/>
+          </a:xfrm>
+          <a:prstGeom prst="straightConnector1">
+            <a:avLst/>
+          </a:prstGeom>
+          <a:ln>
+            <a:tailEnd type="triangle"/>
+          </a:ln>
+        </p:spPr>
+        <p:style>
+          <a:lnRef idx="1">
+            <a:schemeClr val="accent1"/>
+          </a:lnRef>
+          <a:fillRef idx="0">
+            <a:schemeClr val="accent1"/>
+          </a:fillRef>
+          <a:effectRef idx="0">
+            <a:schemeClr val="accent1"/>
+          </a:effectRef>
+          <a:fontRef idx="minor">
+            <a:schemeClr val="tx1"/>
+          </a:fontRef>
+        </p:style>
+      </p:cxnSp>
+      <p:pic>
+        <p:nvPicPr>
+          <p:cNvPr id="16" name="그림 15"/>
+          <p:cNvPicPr>
+            <a:picLocks noChangeAspect="1"/>
+          </p:cNvPicPr>
+          <p:nvPr/>
+        </p:nvPicPr>
+        <p:blipFill>
+          <a:blip r:embed="rId4"/>
+          <a:stretch>
+            <a:fillRect/>
+          </a:stretch>
+        </p:blipFill>
+        <p:spPr>
+          <a:xfrm>
+            <a:off x="4014800" y="4317999"/>
+            <a:ext cx="4220164" cy="2181529"/>
+          </a:xfrm>
+          <a:prstGeom prst="rect">
+            <a:avLst/>
+          </a:prstGeom>
+        </p:spPr>
+      </p:pic>
+      <p:cxnSp>
+        <p:nvCxnSpPr>
+          <p:cNvPr id="18" name="직선 화살표 연결선 17"/>
+          <p:cNvCxnSpPr/>
+          <p:nvPr/>
+        </p:nvCxnSpPr>
+        <p:spPr>
+          <a:xfrm flipH="1">
+            <a:off x="5149783" y="2477626"/>
+            <a:ext cx="1" cy="2246774"/>
+          </a:xfrm>
+          <a:prstGeom prst="straightConnector1">
+            <a:avLst/>
+          </a:prstGeom>
+          <a:ln>
+            <a:tailEnd type="triangle"/>
+          </a:ln>
+        </p:spPr>
+        <p:style>
+          <a:lnRef idx="1">
+            <a:schemeClr val="accent1"/>
+          </a:lnRef>
+          <a:fillRef idx="0">
+            <a:schemeClr val="accent1"/>
+          </a:fillRef>
+          <a:effectRef idx="0">
+            <a:schemeClr val="accent1"/>
+          </a:effectRef>
+          <a:fontRef idx="minor">
+            <a:schemeClr val="tx1"/>
+          </a:fontRef>
+        </p:style>
+      </p:cxnSp>
+      <p:cxnSp>
+        <p:nvCxnSpPr>
+          <p:cNvPr id="21" name="직선 화살표 연결선 20"/>
+          <p:cNvCxnSpPr/>
+          <p:nvPr/>
+        </p:nvCxnSpPr>
+        <p:spPr>
+          <a:xfrm>
+            <a:off x="3903133" y="2106599"/>
+            <a:ext cx="838200" cy="0"/>
+          </a:xfrm>
+          <a:prstGeom prst="straightConnector1">
+            <a:avLst/>
+          </a:prstGeom>
+          <a:ln>
+            <a:tailEnd type="triangle"/>
+          </a:ln>
+        </p:spPr>
+        <p:style>
+          <a:lnRef idx="1">
+            <a:schemeClr val="accent1"/>
+          </a:lnRef>
+          <a:fillRef idx="0">
+            <a:schemeClr val="accent1"/>
+          </a:fillRef>
+          <a:effectRef idx="0">
+            <a:schemeClr val="accent1"/>
+          </a:effectRef>
+          <a:fontRef idx="minor">
+            <a:schemeClr val="tx1"/>
+          </a:fontRef>
+        </p:style>
+      </p:cxnSp>
     </p:spTree>
     <p:extLst>
       <p:ext uri="{BB962C8B-B14F-4D97-AF65-F5344CB8AC3E}">
         <p14:creationId xmlns:p14="http://schemas.microsoft.com/office/powerpoint/2010/main" val="1917365670"/>
+      </p:ext>
+    </p:extLst>
+  </p:cSld>
+  <p:clrMapOvr>
+    <a:masterClrMapping/>
+  </p:clrMapOvr>
+</p:sld>
+</file>
+
+<file path=ppt/slides/slide3.xml><?xml version="1.0" encoding="utf-8"?>
+<p:sld xmlns:a="http://schemas.openxmlformats.org/drawingml/2006/main" xmlns:r="http://schemas.openxmlformats.org/officeDocument/2006/relationships" xmlns:p="http://schemas.openxmlformats.org/presentationml/2006/main">
+  <p:cSld>
+    <p:spTree>
+      <p:nvGrpSpPr>
+        <p:cNvPr id="1" name=""/>
+        <p:cNvGrpSpPr/>
+        <p:nvPr/>
+      </p:nvGrpSpPr>
+      <p:grpSpPr>
+        <a:xfrm>
+          <a:off x="0" y="0"/>
+          <a:ext cx="0" cy="0"/>
+          <a:chOff x="0" y="0"/>
+          <a:chExt cx="0" cy="0"/>
+        </a:xfrm>
+      </p:grpSpPr>
+    </p:spTree>
+    <p:extLst>
+      <p:ext uri="{BB962C8B-B14F-4D97-AF65-F5344CB8AC3E}">
+        <p14:creationId xmlns:p14="http://schemas.microsoft.com/office/powerpoint/2010/main" val="2765556435"/>
+      </p:ext>
+    </p:extLst>
+  </p:cSld>
+  <p:clrMapOvr>
+    <a:masterClrMapping/>
+  </p:clrMapOvr>
+</p:sld>
+</file>
+
+<file path=ppt/slides/slide4.xml><?xml version="1.0" encoding="utf-8"?>
+<p:sld xmlns:a="http://schemas.openxmlformats.org/drawingml/2006/main" xmlns:r="http://schemas.openxmlformats.org/officeDocument/2006/relationships" xmlns:p="http://schemas.openxmlformats.org/presentationml/2006/main">
+  <p:cSld>
+    <p:spTree>
+      <p:nvGrpSpPr>
+        <p:cNvPr id="1" name=""/>
+        <p:cNvGrpSpPr/>
+        <p:nvPr/>
+      </p:nvGrpSpPr>
+      <p:grpSpPr>
+        <a:xfrm>
+          <a:off x="0" y="0"/>
+          <a:ext cx="0" cy="0"/>
+          <a:chOff x="0" y="0"/>
+          <a:chExt cx="0" cy="0"/>
+        </a:xfrm>
+      </p:grpSpPr>
+    </p:spTree>
+    <p:extLst>
+      <p:ext uri="{BB962C8B-B14F-4D97-AF65-F5344CB8AC3E}">
+        <p14:creationId xmlns:p14="http://schemas.microsoft.com/office/powerpoint/2010/main" val="3365473917"/>
+      </p:ext>
+    </p:extLst>
+  </p:cSld>
+  <p:clrMapOvr>
+    <a:masterClrMapping/>
+  </p:clrMapOvr>
+</p:sld>
+</file>
+
+<file path=ppt/slides/slide5.xml><?xml version="1.0" encoding="utf-8"?>
+<p:sld xmlns:a="http://schemas.openxmlformats.org/drawingml/2006/main" xmlns:r="http://schemas.openxmlformats.org/officeDocument/2006/relationships" xmlns:p="http://schemas.openxmlformats.org/presentationml/2006/main">
+  <p:cSld>
+    <p:spTree>
+      <p:nvGrpSpPr>
+        <p:cNvPr id="1" name=""/>
+        <p:cNvGrpSpPr/>
+        <p:nvPr/>
+      </p:nvGrpSpPr>
+      <p:grpSpPr>
+        <a:xfrm>
+          <a:off x="0" y="0"/>
+          <a:ext cx="0" cy="0"/>
+          <a:chOff x="0" y="0"/>
+          <a:chExt cx="0" cy="0"/>
+        </a:xfrm>
+      </p:grpSpPr>
+    </p:spTree>
+    <p:extLst>
+      <p:ext uri="{BB962C8B-B14F-4D97-AF65-F5344CB8AC3E}">
+        <p14:creationId xmlns:p14="http://schemas.microsoft.com/office/powerpoint/2010/main" val="4003073135"/>
+      </p:ext>
+    </p:extLst>
+  </p:cSld>
+  <p:clrMapOvr>
+    <a:masterClrMapping/>
+  </p:clrMapOvr>
+</p:sld>
+</file>
+
+<file path=ppt/slides/slide6.xml><?xml version="1.0" encoding="utf-8"?>
+<p:sld xmlns:a="http://schemas.openxmlformats.org/drawingml/2006/main" xmlns:r="http://schemas.openxmlformats.org/officeDocument/2006/relationships" xmlns:p="http://schemas.openxmlformats.org/presentationml/2006/main">
+  <p:cSld>
+    <p:spTree>
+      <p:nvGrpSpPr>
+        <p:cNvPr id="1" name=""/>
+        <p:cNvGrpSpPr/>
+        <p:nvPr/>
+      </p:nvGrpSpPr>
+      <p:grpSpPr>
+        <a:xfrm>
+          <a:off x="0" y="0"/>
+          <a:ext cx="0" cy="0"/>
+          <a:chOff x="0" y="0"/>
+          <a:chExt cx="0" cy="0"/>
+        </a:xfrm>
+      </p:grpSpPr>
+    </p:spTree>
+    <p:extLst>
+      <p:ext uri="{BB962C8B-B14F-4D97-AF65-F5344CB8AC3E}">
+        <p14:creationId xmlns:p14="http://schemas.microsoft.com/office/powerpoint/2010/main" val="2894746833"/>
       </p:ext>
     </p:extLst>
   </p:cSld>

--- a/ppt/04-13.pptx
+++ b/ppt/04-13.pptx
@@ -3565,6 +3565,225 @@
           <a:chExt cx="0" cy="0"/>
         </a:xfrm>
       </p:grpSpPr>
+      <p:sp>
+        <p:nvSpPr>
+          <p:cNvPr id="2" name="TextBox 1"/>
+          <p:cNvSpPr txBox="1"/>
+          <p:nvPr/>
+        </p:nvSpPr>
+        <p:spPr>
+          <a:xfrm>
+            <a:off x="423334" y="323334"/>
+            <a:ext cx="646331" cy="369332"/>
+          </a:xfrm>
+          <a:prstGeom prst="rect">
+            <a:avLst/>
+          </a:prstGeom>
+          <a:noFill/>
+        </p:spPr>
+        <p:txBody>
+          <a:bodyPr wrap="none" rtlCol="0">
+            <a:spAutoFit/>
+          </a:bodyPr>
+          <a:lstStyle/>
+          <a:p>
+            <a:r>
+              <a:rPr lang="ko-KR" altLang="en-US" dirty="0" smtClean="0"/>
+              <a:t>공통</a:t>
+            </a:r>
+            <a:endParaRPr lang="ko-KR" altLang="en-US" dirty="0"/>
+          </a:p>
+        </p:txBody>
+      </p:sp>
+      <p:pic>
+        <p:nvPicPr>
+          <p:cNvPr id="3" name="그림 2"/>
+          <p:cNvPicPr>
+            <a:picLocks noChangeAspect="1"/>
+          </p:cNvPicPr>
+          <p:nvPr/>
+        </p:nvPicPr>
+        <p:blipFill>
+          <a:blip r:embed="rId2"/>
+          <a:stretch>
+            <a:fillRect/>
+          </a:stretch>
+        </p:blipFill>
+        <p:spPr>
+          <a:xfrm>
+            <a:off x="423334" y="1627200"/>
+            <a:ext cx="7116168" cy="571580"/>
+          </a:xfrm>
+          <a:prstGeom prst="rect">
+            <a:avLst/>
+          </a:prstGeom>
+        </p:spPr>
+      </p:pic>
+      <p:pic>
+        <p:nvPicPr>
+          <p:cNvPr id="4" name="그림 3"/>
+          <p:cNvPicPr>
+            <a:picLocks noChangeAspect="1"/>
+          </p:cNvPicPr>
+          <p:nvPr/>
+        </p:nvPicPr>
+        <p:blipFill>
+          <a:blip r:embed="rId3"/>
+          <a:stretch>
+            <a:fillRect/>
+          </a:stretch>
+        </p:blipFill>
+        <p:spPr>
+          <a:xfrm>
+            <a:off x="423334" y="988459"/>
+            <a:ext cx="1476581" cy="342948"/>
+          </a:xfrm>
+          <a:prstGeom prst="rect">
+            <a:avLst/>
+          </a:prstGeom>
+        </p:spPr>
+      </p:pic>
+      <p:cxnSp>
+        <p:nvCxnSpPr>
+          <p:cNvPr id="6" name="직선 연결선 5"/>
+          <p:cNvCxnSpPr/>
+          <p:nvPr/>
+        </p:nvCxnSpPr>
+        <p:spPr>
+          <a:xfrm>
+            <a:off x="1069665" y="1981200"/>
+            <a:ext cx="5932268" cy="0"/>
+          </a:xfrm>
+          <a:prstGeom prst="line">
+            <a:avLst/>
+          </a:prstGeom>
+        </p:spPr>
+        <p:style>
+          <a:lnRef idx="3">
+            <a:schemeClr val="accent2"/>
+          </a:lnRef>
+          <a:fillRef idx="0">
+            <a:schemeClr val="accent2"/>
+          </a:fillRef>
+          <a:effectRef idx="2">
+            <a:schemeClr val="accent2"/>
+          </a:effectRef>
+          <a:fontRef idx="minor">
+            <a:schemeClr val="tx1"/>
+          </a:fontRef>
+        </p:style>
+      </p:cxnSp>
+      <p:sp>
+        <p:nvSpPr>
+          <p:cNvPr id="7" name="TextBox 6"/>
+          <p:cNvSpPr txBox="1"/>
+          <p:nvPr/>
+        </p:nvSpPr>
+        <p:spPr>
+          <a:xfrm>
+            <a:off x="746499" y="2929465"/>
+            <a:ext cx="5658921" cy="697050"/>
+          </a:xfrm>
+          <a:prstGeom prst="rect">
+            <a:avLst/>
+          </a:prstGeom>
+          <a:noFill/>
+        </p:spPr>
+        <p:txBody>
+          <a:bodyPr wrap="none" rtlCol="0">
+            <a:spAutoFit/>
+          </a:bodyPr>
+          <a:lstStyle/>
+          <a:p>
+            <a:pPr>
+              <a:lnSpc>
+                <a:spcPct val="150000"/>
+              </a:lnSpc>
+            </a:pPr>
+            <a:r>
+              <a:rPr lang="ko-KR" altLang="en-US" sz="1400" dirty="0" err="1" smtClean="0"/>
+              <a:t>파비콘</a:t>
+            </a:r>
+            <a:r>
+              <a:rPr lang="ko-KR" altLang="en-US" sz="1400" dirty="0" smtClean="0"/>
+              <a:t> 추가했습니다</a:t>
+            </a:r>
+            <a:r>
+              <a:rPr lang="en-US" altLang="ko-KR" sz="1400" dirty="0" smtClean="0"/>
+              <a:t>. (</a:t>
+            </a:r>
+            <a:r>
+              <a:rPr lang="ko-KR" altLang="en-US" sz="1400" dirty="0" smtClean="0"/>
+              <a:t>기존 사이트에 있는 것 그대로 사용했습니다</a:t>
+            </a:r>
+            <a:r>
+              <a:rPr lang="en-US" altLang="ko-KR" sz="1400" dirty="0" smtClean="0"/>
+              <a:t>.)</a:t>
+            </a:r>
+          </a:p>
+          <a:p>
+            <a:pPr>
+              <a:lnSpc>
+                <a:spcPct val="150000"/>
+              </a:lnSpc>
+            </a:pPr>
+            <a:r>
+              <a:rPr lang="en-US" altLang="ko-KR" sz="1400" dirty="0" smtClean="0"/>
+              <a:t>index.html </a:t>
+            </a:r>
+            <a:r>
+              <a:rPr lang="ko-KR" altLang="en-US" sz="1400" dirty="0" smtClean="0"/>
+              <a:t>에서 </a:t>
+            </a:r>
+            <a:r>
+              <a:rPr lang="ko-KR" altLang="en-US" sz="1400" dirty="0" err="1" smtClean="0"/>
+              <a:t>파비콘</a:t>
+            </a:r>
+            <a:r>
+              <a:rPr lang="ko-KR" altLang="en-US" sz="1400" dirty="0" smtClean="0"/>
+              <a:t> 이미지 경로 바꿔주세요</a:t>
+            </a:r>
+            <a:r>
+              <a:rPr lang="en-US" altLang="ko-KR" sz="1400" dirty="0" smtClean="0"/>
+              <a:t>.</a:t>
+            </a:r>
+            <a:endParaRPr lang="ko-KR" altLang="en-US" sz="1400" dirty="0"/>
+          </a:p>
+        </p:txBody>
+      </p:sp>
+      <p:cxnSp>
+        <p:nvCxnSpPr>
+          <p:cNvPr id="9" name="직선 화살표 연결선 8"/>
+          <p:cNvCxnSpPr/>
+          <p:nvPr/>
+        </p:nvCxnSpPr>
+        <p:spPr>
+          <a:xfrm flipV="1">
+            <a:off x="1569198" y="2040467"/>
+            <a:ext cx="0" cy="762000"/>
+          </a:xfrm>
+          <a:prstGeom prst="straightConnector1">
+            <a:avLst/>
+          </a:prstGeom>
+          <a:ln>
+            <a:tailEnd type="triangle"/>
+          </a:ln>
+        </p:spPr>
+        <p:style>
+          <a:lnRef idx="1">
+            <a:schemeClr val="accent1"/>
+          </a:lnRef>
+          <a:fillRef idx="0">
+            <a:schemeClr val="accent1"/>
+          </a:fillRef>
+          <a:effectRef idx="0">
+            <a:schemeClr val="accent1"/>
+          </a:effectRef>
+          <a:fontRef idx="minor">
+            <a:schemeClr val="tx1"/>
+          </a:fontRef>
+        </p:style>
+      </p:cxnSp>
     </p:spTree>
     <p:extLst>
       <p:ext uri="{BB962C8B-B14F-4D97-AF65-F5344CB8AC3E}">

--- a/ppt/04-13.pptx
+++ b/ppt/04-13.pptx
@@ -3814,6 +3814,226 @@
           <a:chExt cx="0" cy="0"/>
         </a:xfrm>
       </p:grpSpPr>
+      <p:pic>
+        <p:nvPicPr>
+          <p:cNvPr id="2" name="그림 1"/>
+          <p:cNvPicPr>
+            <a:picLocks noChangeAspect="1"/>
+          </p:cNvPicPr>
+          <p:nvPr/>
+        </p:nvPicPr>
+        <p:blipFill>
+          <a:blip r:embed="rId2"/>
+          <a:stretch>
+            <a:fillRect/>
+          </a:stretch>
+        </p:blipFill>
+        <p:spPr>
+          <a:xfrm>
+            <a:off x="833780" y="1202076"/>
+            <a:ext cx="4048690" cy="3734321"/>
+          </a:xfrm>
+          <a:prstGeom prst="rect">
+            <a:avLst/>
+          </a:prstGeom>
+        </p:spPr>
+      </p:pic>
+      <p:sp>
+        <p:nvSpPr>
+          <p:cNvPr id="3" name="TextBox 2"/>
+          <p:cNvSpPr txBox="1"/>
+          <p:nvPr/>
+        </p:nvSpPr>
+        <p:spPr>
+          <a:xfrm>
+            <a:off x="749508" y="494675"/>
+            <a:ext cx="1821332" cy="369332"/>
+          </a:xfrm>
+          <a:prstGeom prst="rect">
+            <a:avLst/>
+          </a:prstGeom>
+          <a:noFill/>
+        </p:spPr>
+        <p:txBody>
+          <a:bodyPr wrap="none" rtlCol="0">
+            <a:spAutoFit/>
+          </a:bodyPr>
+          <a:lstStyle/>
+          <a:p>
+            <a:r>
+              <a:rPr lang="en-US" altLang="ko-KR" dirty="0"/>
+              <a:t>UI-SJN-32-030L</a:t>
+            </a:r>
+            <a:endParaRPr lang="ko-KR" altLang="en-US" dirty="0"/>
+          </a:p>
+        </p:txBody>
+      </p:sp>
+      <p:cxnSp>
+        <p:nvCxnSpPr>
+          <p:cNvPr id="5" name="직선 화살표 연결선 4"/>
+          <p:cNvCxnSpPr/>
+          <p:nvPr/>
+        </p:nvCxnSpPr>
+        <p:spPr>
+          <a:xfrm flipH="1">
+            <a:off x="5156616" y="2188564"/>
+            <a:ext cx="1139253" cy="0"/>
+          </a:xfrm>
+          <a:prstGeom prst="straightConnector1">
+            <a:avLst/>
+          </a:prstGeom>
+          <a:ln>
+            <a:tailEnd type="triangle"/>
+          </a:ln>
+        </p:spPr>
+        <p:style>
+          <a:lnRef idx="1">
+            <a:schemeClr val="accent1"/>
+          </a:lnRef>
+          <a:fillRef idx="0">
+            <a:schemeClr val="accent1"/>
+          </a:fillRef>
+          <a:effectRef idx="0">
+            <a:schemeClr val="accent1"/>
+          </a:effectRef>
+          <a:fontRef idx="minor">
+            <a:schemeClr val="tx1"/>
+          </a:fontRef>
+        </p:style>
+      </p:cxnSp>
+      <p:cxnSp>
+        <p:nvCxnSpPr>
+          <p:cNvPr id="6" name="직선 화살표 연결선 5"/>
+          <p:cNvCxnSpPr/>
+          <p:nvPr/>
+        </p:nvCxnSpPr>
+        <p:spPr>
+          <a:xfrm flipH="1">
+            <a:off x="5156616" y="3258222"/>
+            <a:ext cx="1139253" cy="0"/>
+          </a:xfrm>
+          <a:prstGeom prst="straightConnector1">
+            <a:avLst/>
+          </a:prstGeom>
+          <a:ln>
+            <a:tailEnd type="triangle"/>
+          </a:ln>
+        </p:spPr>
+        <p:style>
+          <a:lnRef idx="1">
+            <a:schemeClr val="accent1"/>
+          </a:lnRef>
+          <a:fillRef idx="0">
+            <a:schemeClr val="accent1"/>
+          </a:fillRef>
+          <a:effectRef idx="0">
+            <a:schemeClr val="accent1"/>
+          </a:effectRef>
+          <a:fontRef idx="minor">
+            <a:schemeClr val="tx1"/>
+          </a:fontRef>
+        </p:style>
+      </p:cxnSp>
+      <p:sp>
+        <p:nvSpPr>
+          <p:cNvPr id="7" name="TextBox 6"/>
+          <p:cNvSpPr txBox="1"/>
+          <p:nvPr/>
+        </p:nvSpPr>
+        <p:spPr>
+          <a:xfrm>
+            <a:off x="6355829" y="2023673"/>
+            <a:ext cx="3998659" cy="307777"/>
+          </a:xfrm>
+          <a:prstGeom prst="rect">
+            <a:avLst/>
+          </a:prstGeom>
+          <a:noFill/>
+        </p:spPr>
+        <p:txBody>
+          <a:bodyPr wrap="none" rtlCol="0">
+            <a:spAutoFit/>
+          </a:bodyPr>
+          <a:lstStyle/>
+          <a:p>
+            <a:r>
+              <a:rPr lang="ko-KR" altLang="en-US" sz="1400" smtClean="0"/>
+              <a:t>상세 보기 버튼 노출 시</a:t>
+            </a:r>
+            <a:r>
+              <a:rPr lang="en-US" altLang="ko-KR" sz="1400" dirty="0" smtClean="0"/>
+              <a:t> li </a:t>
+            </a:r>
+            <a:r>
+              <a:rPr lang="ko-KR" altLang="en-US" sz="1400" dirty="0" smtClean="0"/>
+              <a:t>에</a:t>
+            </a:r>
+            <a:r>
+              <a:rPr lang="en-US" altLang="ko-KR" sz="1400" dirty="0" smtClean="0"/>
+              <a:t> active </a:t>
+            </a:r>
+            <a:r>
+              <a:rPr lang="ko-KR" altLang="en-US" sz="1400" dirty="0" smtClean="0"/>
+              <a:t>클래스 추가</a:t>
+            </a:r>
+            <a:endParaRPr lang="ko-KR" altLang="en-US" sz="1400" dirty="0"/>
+          </a:p>
+        </p:txBody>
+      </p:sp>
+      <p:sp>
+        <p:nvSpPr>
+          <p:cNvPr id="8" name="TextBox 7"/>
+          <p:cNvSpPr txBox="1"/>
+          <p:nvPr/>
+        </p:nvSpPr>
+        <p:spPr>
+          <a:xfrm>
+            <a:off x="6355829" y="3114206"/>
+            <a:ext cx="4955203" cy="307777"/>
+          </a:xfrm>
+          <a:prstGeom prst="rect">
+            <a:avLst/>
+          </a:prstGeom>
+          <a:noFill/>
+        </p:spPr>
+        <p:txBody>
+          <a:bodyPr wrap="none" rtlCol="0">
+            <a:spAutoFit/>
+          </a:bodyPr>
+          <a:lstStyle/>
+          <a:p>
+            <a:r>
+              <a:rPr lang="ko-KR" altLang="en-US" sz="1400" dirty="0" smtClean="0"/>
+              <a:t>길안내 버튼 삭제 및 영역 </a:t>
+            </a:r>
+            <a:r>
+              <a:rPr lang="en-US" altLang="ko-KR" sz="1400" dirty="0" smtClean="0"/>
+              <a:t>100% </a:t>
+            </a:r>
+            <a:r>
+              <a:rPr lang="ko-KR" altLang="en-US" sz="1400" dirty="0" smtClean="0"/>
+              <a:t>사용 </a:t>
+            </a:r>
+            <a:r>
+              <a:rPr lang="en-US" altLang="ko-KR" sz="1400" dirty="0" smtClean="0"/>
+              <a:t> li </a:t>
+            </a:r>
+            <a:r>
+              <a:rPr lang="ko-KR" altLang="en-US" sz="1400" dirty="0" smtClean="0"/>
+              <a:t>에</a:t>
+            </a:r>
+            <a:r>
+              <a:rPr lang="en-US" altLang="ko-KR" sz="1400" dirty="0" smtClean="0"/>
+              <a:t> full </a:t>
+            </a:r>
+            <a:r>
+              <a:rPr lang="ko-KR" altLang="en-US" sz="1400" dirty="0" smtClean="0"/>
+              <a:t>클래스 추가</a:t>
+            </a:r>
+            <a:endParaRPr lang="ko-KR" altLang="en-US" sz="1400" dirty="0"/>
+          </a:p>
+        </p:txBody>
+      </p:sp>
     </p:spTree>
     <p:extLst>
       <p:ext uri="{BB962C8B-B14F-4D97-AF65-F5344CB8AC3E}">
@@ -3844,6 +4064,90 @@
           <a:chExt cx="0" cy="0"/>
         </a:xfrm>
       </p:grpSpPr>
+      <p:sp>
+        <p:nvSpPr>
+          <p:cNvPr id="2" name="TextBox 1"/>
+          <p:cNvSpPr txBox="1"/>
+          <p:nvPr/>
+        </p:nvSpPr>
+        <p:spPr>
+          <a:xfrm>
+            <a:off x="517160" y="232347"/>
+            <a:ext cx="1821332" cy="369332"/>
+          </a:xfrm>
+          <a:prstGeom prst="rect">
+            <a:avLst/>
+          </a:prstGeom>
+          <a:noFill/>
+        </p:spPr>
+        <p:txBody>
+          <a:bodyPr wrap="none" rtlCol="0">
+            <a:spAutoFit/>
+          </a:bodyPr>
+          <a:lstStyle/>
+          <a:p>
+            <a:r>
+              <a:rPr lang="en-US" altLang="ko-KR" dirty="0" smtClean="0"/>
+              <a:t>UI-SJN-32-031L</a:t>
+            </a:r>
+            <a:endParaRPr lang="ko-KR" altLang="en-US" dirty="0"/>
+          </a:p>
+        </p:txBody>
+      </p:sp>
+      <p:pic>
+        <p:nvPicPr>
+          <p:cNvPr id="3" name="그림 2"/>
+          <p:cNvPicPr>
+            <a:picLocks noChangeAspect="1"/>
+          </p:cNvPicPr>
+          <p:nvPr/>
+        </p:nvPicPr>
+        <p:blipFill>
+          <a:blip r:embed="rId2"/>
+          <a:stretch>
+            <a:fillRect/>
+          </a:stretch>
+        </p:blipFill>
+        <p:spPr>
+          <a:xfrm>
+            <a:off x="494257" y="712032"/>
+            <a:ext cx="2276843" cy="5963710"/>
+          </a:xfrm>
+          <a:prstGeom prst="rect">
+            <a:avLst/>
+          </a:prstGeom>
+        </p:spPr>
+      </p:pic>
+      <p:sp>
+        <p:nvSpPr>
+          <p:cNvPr id="5" name="TextBox 4"/>
+          <p:cNvSpPr txBox="1"/>
+          <p:nvPr/>
+        </p:nvSpPr>
+        <p:spPr>
+          <a:xfrm>
+            <a:off x="3785015" y="2608289"/>
+            <a:ext cx="1144865" cy="307777"/>
+          </a:xfrm>
+          <a:prstGeom prst="rect">
+            <a:avLst/>
+          </a:prstGeom>
+          <a:noFill/>
+        </p:spPr>
+        <p:txBody>
+          <a:bodyPr wrap="none" rtlCol="0">
+            <a:spAutoFit/>
+          </a:bodyPr>
+          <a:lstStyle/>
+          <a:p>
+            <a:r>
+              <a:rPr lang="ko-KR" altLang="en-US" sz="1400" dirty="0" smtClean="0"/>
+              <a:t>페이지 추가</a:t>
+            </a:r>
+            <a:endParaRPr lang="ko-KR" altLang="en-US" sz="1400" dirty="0"/>
+          </a:p>
+        </p:txBody>
+      </p:sp>
     </p:spTree>
     <p:extLst>
       <p:ext uri="{BB962C8B-B14F-4D97-AF65-F5344CB8AC3E}">

--- a/ppt/04-13.pptx
+++ b/ppt/04-13.pptx
@@ -4034,6 +4034,30 @@
           </a:p>
         </p:txBody>
       </p:sp>
+      <p:pic>
+        <p:nvPicPr>
+          <p:cNvPr id="4" name="그림 3"/>
+          <p:cNvPicPr>
+            <a:picLocks noChangeAspect="1"/>
+          </p:cNvPicPr>
+          <p:nvPr/>
+        </p:nvPicPr>
+        <p:blipFill>
+          <a:blip r:embed="rId3"/>
+          <a:stretch>
+            <a:fillRect/>
+          </a:stretch>
+        </p:blipFill>
+        <p:spPr>
+          <a:xfrm>
+            <a:off x="1058659" y="5385357"/>
+            <a:ext cx="8125959" cy="209579"/>
+          </a:xfrm>
+          <a:prstGeom prst="rect">
+            <a:avLst/>
+          </a:prstGeom>
+        </p:spPr>
+      </p:pic>
     </p:spTree>
     <p:extLst>
       <p:ext uri="{BB962C8B-B14F-4D97-AF65-F5344CB8AC3E}">

--- a/ppt/04-13.pptx
+++ b/ppt/04-13.pptx
@@ -3814,30 +3814,6 @@
           <a:chExt cx="0" cy="0"/>
         </a:xfrm>
       </p:grpSpPr>
-      <p:pic>
-        <p:nvPicPr>
-          <p:cNvPr id="2" name="그림 1"/>
-          <p:cNvPicPr>
-            <a:picLocks noChangeAspect="1"/>
-          </p:cNvPicPr>
-          <p:nvPr/>
-        </p:nvPicPr>
-        <p:blipFill>
-          <a:blip r:embed="rId2"/>
-          <a:stretch>
-            <a:fillRect/>
-          </a:stretch>
-        </p:blipFill>
-        <p:spPr>
-          <a:xfrm>
-            <a:off x="833780" y="1202076"/>
-            <a:ext cx="4048690" cy="3734321"/>
-          </a:xfrm>
-          <a:prstGeom prst="rect">
-            <a:avLst/>
-          </a:prstGeom>
-        </p:spPr>
-      </p:pic>
       <p:sp>
         <p:nvSpPr>
           <p:cNvPr id="3" name="TextBox 2"/>
@@ -3876,7 +3852,7 @@
         </p:nvCxnSpPr>
         <p:spPr>
           <a:xfrm flipH="1">
-            <a:off x="5156616" y="2188564"/>
+            <a:off x="4916774" y="1888760"/>
             <a:ext cx="1139253" cy="0"/>
           </a:xfrm>
           <a:prstGeom prst="straightConnector1">
@@ -3909,7 +3885,7 @@
         </p:nvCxnSpPr>
         <p:spPr>
           <a:xfrm flipH="1">
-            <a:off x="5156616" y="3258222"/>
+            <a:off x="4924268" y="2538693"/>
             <a:ext cx="1139253" cy="0"/>
           </a:xfrm>
           <a:prstGeom prst="straightConnector1">
@@ -3942,8 +3918,8 @@
         </p:nvSpPr>
         <p:spPr>
           <a:xfrm>
-            <a:off x="6355829" y="2023673"/>
-            <a:ext cx="3998659" cy="307777"/>
+            <a:off x="6115987" y="1723869"/>
+            <a:ext cx="2880084" cy="307777"/>
           </a:xfrm>
           <a:prstGeom prst="rect">
             <a:avLst/>
@@ -3957,24 +3933,32 @@
           <a:lstStyle/>
           <a:p>
             <a:r>
-              <a:rPr lang="ko-KR" altLang="en-US" sz="1400" smtClean="0"/>
-              <a:t>상세 보기 버튼 노출 시</a:t>
-            </a:r>
-            <a:r>
               <a:rPr lang="en-US" altLang="ko-KR" sz="1400" dirty="0" smtClean="0"/>
-              <a:t> li </a:t>
+              <a:t>li</a:t>
             </a:r>
             <a:r>
               <a:rPr lang="ko-KR" altLang="en-US" sz="1400" dirty="0" smtClean="0"/>
-              <a:t>에</a:t>
+              <a:t>에 </a:t>
             </a:r>
             <a:r>
               <a:rPr lang="en-US" altLang="ko-KR" sz="1400" dirty="0" smtClean="0"/>
-              <a:t> active </a:t>
+              <a:t>promote </a:t>
             </a:r>
             <a:r>
               <a:rPr lang="ko-KR" altLang="en-US" sz="1400" dirty="0" smtClean="0"/>
-              <a:t>클래스 추가</a:t>
+              <a:t>추가 시</a:t>
+            </a:r>
+            <a:r>
+              <a:rPr lang="en-US" altLang="ko-KR" sz="1400" dirty="0"/>
+              <a:t> </a:t>
+            </a:r>
+            <a:r>
+              <a:rPr lang="ko-KR" altLang="en-US" sz="1400" dirty="0" smtClean="0"/>
+              <a:t>강조됩니다</a:t>
+            </a:r>
+            <a:r>
+              <a:rPr lang="en-US" altLang="ko-KR" sz="1400" dirty="0" smtClean="0"/>
+              <a:t>.</a:t>
             </a:r>
             <a:endParaRPr lang="ko-KR" altLang="en-US" sz="1400" dirty="0"/>
           </a:p>
@@ -3988,8 +3972,8 @@
         </p:nvSpPr>
         <p:spPr>
           <a:xfrm>
-            <a:off x="6355829" y="3114206"/>
-            <a:ext cx="4955203" cy="307777"/>
+            <a:off x="6123481" y="2394677"/>
+            <a:ext cx="3277307" cy="307777"/>
           </a:xfrm>
           <a:prstGeom prst="rect">
             <a:avLst/>
@@ -4004,31 +3988,19 @@
           <a:p>
             <a:r>
               <a:rPr lang="ko-KR" altLang="en-US" sz="1400" dirty="0" smtClean="0"/>
-              <a:t>길안내 버튼 삭제 및 영역 </a:t>
+              <a:t>버튼에 </a:t>
             </a:r>
             <a:r>
               <a:rPr lang="en-US" altLang="ko-KR" sz="1400" dirty="0" smtClean="0"/>
-              <a:t>100% </a:t>
+              <a:t>active </a:t>
             </a:r>
             <a:r>
               <a:rPr lang="ko-KR" altLang="en-US" sz="1400" dirty="0" smtClean="0"/>
-              <a:t>사용 </a:t>
+              <a:t>클래스 넣으면 보입니다</a:t>
             </a:r>
             <a:r>
               <a:rPr lang="en-US" altLang="ko-KR" sz="1400" dirty="0" smtClean="0"/>
-              <a:t> li </a:t>
-            </a:r>
-            <a:r>
-              <a:rPr lang="ko-KR" altLang="en-US" sz="1400" dirty="0" smtClean="0"/>
-              <a:t>에</a:t>
-            </a:r>
-            <a:r>
-              <a:rPr lang="en-US" altLang="ko-KR" sz="1400" dirty="0" smtClean="0"/>
-              <a:t> full </a:t>
-            </a:r>
-            <a:r>
-              <a:rPr lang="ko-KR" altLang="en-US" sz="1400" dirty="0" smtClean="0"/>
-              <a:t>클래스 추가</a:t>
+              <a:t>.</a:t>
             </a:r>
             <a:endParaRPr lang="ko-KR" altLang="en-US" sz="1400" dirty="0"/>
           </a:p>
@@ -4036,28 +4008,190 @@
       </p:sp>
       <p:pic>
         <p:nvPicPr>
-          <p:cNvPr id="4" name="그림 3"/>
+          <p:cNvPr id="9" name="그림 8"/>
           <p:cNvPicPr>
             <a:picLocks noChangeAspect="1"/>
           </p:cNvPicPr>
           <p:nvPr/>
         </p:nvPicPr>
         <p:blipFill>
-          <a:blip r:embed="rId3"/>
+          <a:blip r:embed="rId2"/>
           <a:stretch>
             <a:fillRect/>
           </a:stretch>
         </p:blipFill>
         <p:spPr>
           <a:xfrm>
-            <a:off x="1058659" y="5385357"/>
-            <a:ext cx="8125959" cy="209579"/>
+            <a:off x="535448" y="1222458"/>
+            <a:ext cx="4210638" cy="3648584"/>
           </a:xfrm>
           <a:prstGeom prst="rect">
             <a:avLst/>
           </a:prstGeom>
         </p:spPr>
       </p:pic>
+      <p:cxnSp>
+        <p:nvCxnSpPr>
+          <p:cNvPr id="10" name="직선 화살표 연결선 9"/>
+          <p:cNvCxnSpPr/>
+          <p:nvPr/>
+        </p:nvCxnSpPr>
+        <p:spPr>
+          <a:xfrm flipH="1">
+            <a:off x="4924268" y="3429000"/>
+            <a:ext cx="1139253" cy="0"/>
+          </a:xfrm>
+          <a:prstGeom prst="straightConnector1">
+            <a:avLst/>
+          </a:prstGeom>
+          <a:ln>
+            <a:tailEnd type="triangle"/>
+          </a:ln>
+        </p:spPr>
+        <p:style>
+          <a:lnRef idx="1">
+            <a:schemeClr val="accent1"/>
+          </a:lnRef>
+          <a:fillRef idx="0">
+            <a:schemeClr val="accent1"/>
+          </a:fillRef>
+          <a:effectRef idx="0">
+            <a:schemeClr val="accent1"/>
+          </a:effectRef>
+          <a:fontRef idx="minor">
+            <a:schemeClr val="tx1"/>
+          </a:fontRef>
+        </p:style>
+      </p:cxnSp>
+      <p:sp>
+        <p:nvSpPr>
+          <p:cNvPr id="11" name="TextBox 10"/>
+          <p:cNvSpPr txBox="1"/>
+          <p:nvPr/>
+        </p:nvSpPr>
+        <p:spPr>
+          <a:xfrm>
+            <a:off x="6123481" y="3284984"/>
+            <a:ext cx="3456844" cy="307777"/>
+          </a:xfrm>
+          <a:prstGeom prst="rect">
+            <a:avLst/>
+          </a:prstGeom>
+          <a:noFill/>
+        </p:spPr>
+        <p:txBody>
+          <a:bodyPr wrap="none" rtlCol="0">
+            <a:spAutoFit/>
+          </a:bodyPr>
+          <a:lstStyle/>
+          <a:p>
+            <a:r>
+              <a:rPr lang="ko-KR" altLang="en-US" sz="1400" dirty="0" smtClean="0"/>
+              <a:t>버튼에 </a:t>
+            </a:r>
+            <a:r>
+              <a:rPr lang="en-US" altLang="ko-KR" sz="1400" dirty="0" smtClean="0"/>
+              <a:t>active </a:t>
+            </a:r>
+            <a:r>
+              <a:rPr lang="ko-KR" altLang="en-US" sz="1400" dirty="0" smtClean="0"/>
+              <a:t>클래스 없애면 안보입니다</a:t>
+            </a:r>
+            <a:r>
+              <a:rPr lang="en-US" altLang="ko-KR" sz="1400" dirty="0" smtClean="0"/>
+              <a:t>.</a:t>
+            </a:r>
+            <a:endParaRPr lang="ko-KR" altLang="en-US" sz="1400" dirty="0"/>
+          </a:p>
+        </p:txBody>
+      </p:sp>
+      <p:cxnSp>
+        <p:nvCxnSpPr>
+          <p:cNvPr id="12" name="직선 화살표 연결선 11"/>
+          <p:cNvCxnSpPr/>
+          <p:nvPr/>
+        </p:nvCxnSpPr>
+        <p:spPr>
+          <a:xfrm flipH="1">
+            <a:off x="4924268" y="4293096"/>
+            <a:ext cx="1139253" cy="0"/>
+          </a:xfrm>
+          <a:prstGeom prst="straightConnector1">
+            <a:avLst/>
+          </a:prstGeom>
+          <a:ln>
+            <a:tailEnd type="triangle"/>
+          </a:ln>
+        </p:spPr>
+        <p:style>
+          <a:lnRef idx="1">
+            <a:schemeClr val="accent1"/>
+          </a:lnRef>
+          <a:fillRef idx="0">
+            <a:schemeClr val="accent1"/>
+          </a:fillRef>
+          <a:effectRef idx="0">
+            <a:schemeClr val="accent1"/>
+          </a:effectRef>
+          <a:fontRef idx="minor">
+            <a:schemeClr val="tx1"/>
+          </a:fontRef>
+        </p:style>
+      </p:cxnSp>
+      <p:sp>
+        <p:nvSpPr>
+          <p:cNvPr id="13" name="TextBox 12"/>
+          <p:cNvSpPr txBox="1"/>
+          <p:nvPr/>
+        </p:nvSpPr>
+        <p:spPr>
+          <a:xfrm>
+            <a:off x="6123481" y="4149080"/>
+            <a:ext cx="3390672" cy="307777"/>
+          </a:xfrm>
+          <a:prstGeom prst="rect">
+            <a:avLst/>
+          </a:prstGeom>
+          <a:noFill/>
+        </p:spPr>
+        <p:txBody>
+          <a:bodyPr wrap="none" rtlCol="0">
+            <a:spAutoFit/>
+          </a:bodyPr>
+          <a:lstStyle/>
+          <a:p>
+            <a:r>
+              <a:rPr lang="en-US" altLang="ko-KR" sz="1400" dirty="0"/>
+              <a:t>l</a:t>
+            </a:r>
+            <a:r>
+              <a:rPr lang="en-US" altLang="ko-KR" sz="1400" dirty="0" smtClean="0"/>
+              <a:t>i</a:t>
+            </a:r>
+            <a:r>
+              <a:rPr lang="ko-KR" altLang="en-US" sz="1400" dirty="0" smtClean="0"/>
+              <a:t>에 </a:t>
+            </a:r>
+            <a:r>
+              <a:rPr lang="en-US" altLang="ko-KR" sz="1400" dirty="0" smtClean="0"/>
+              <a:t>full </a:t>
+            </a:r>
+            <a:r>
+              <a:rPr lang="ko-KR" altLang="en-US" sz="1400" dirty="0" smtClean="0"/>
+              <a:t>추가 시</a:t>
+            </a:r>
+            <a:r>
+              <a:rPr lang="ko-KR" altLang="en-US" sz="1400" dirty="0" smtClean="0"/>
+              <a:t> 전체영역으로 바뀝니다</a:t>
+            </a:r>
+            <a:r>
+              <a:rPr lang="en-US" altLang="ko-KR" sz="1400" dirty="0" smtClean="0"/>
+              <a:t>.</a:t>
+            </a:r>
+            <a:endParaRPr lang="ko-KR" altLang="en-US" sz="1400" dirty="0"/>
+          </a:p>
+        </p:txBody>
+      </p:sp>
     </p:spTree>
     <p:extLst>
       <p:ext uri="{BB962C8B-B14F-4D97-AF65-F5344CB8AC3E}">

--- a/ppt/04-13.pptx
+++ b/ppt/04-13.pptx
@@ -11,6 +11,8 @@
     <p:sldId id="261" r:id="rId5"/>
     <p:sldId id="262" r:id="rId6"/>
     <p:sldId id="263" r:id="rId7"/>
+    <p:sldId id="264" r:id="rId8"/>
+    <p:sldId id="265" r:id="rId9"/>
   </p:sldIdLst>
   <p:sldSz cx="12192000" cy="6858000"/>
   <p:notesSz cx="6858000" cy="9144000"/>
@@ -4178,11 +4180,7 @@
             </a:r>
             <a:r>
               <a:rPr lang="ko-KR" altLang="en-US" sz="1400" dirty="0" smtClean="0"/>
-              <a:t>추가 시</a:t>
-            </a:r>
-            <a:r>
-              <a:rPr lang="ko-KR" altLang="en-US" sz="1400" dirty="0" smtClean="0"/>
-              <a:t> 전체영역으로 바뀝니다</a:t>
+              <a:t>추가 시 전체영역으로 바뀝니다</a:t>
             </a:r>
             <a:r>
               <a:rPr lang="en-US" altLang="ko-KR" sz="1400" dirty="0" smtClean="0"/>
@@ -4336,10 +4334,369 @@
           <a:chExt cx="0" cy="0"/>
         </a:xfrm>
       </p:grpSpPr>
+      <p:sp>
+        <p:nvSpPr>
+          <p:cNvPr id="2" name="TextBox 1"/>
+          <p:cNvSpPr txBox="1"/>
+          <p:nvPr/>
+        </p:nvSpPr>
+        <p:spPr>
+          <a:xfrm>
+            <a:off x="592111" y="314793"/>
+            <a:ext cx="2728632" cy="369332"/>
+          </a:xfrm>
+          <a:prstGeom prst="rect">
+            <a:avLst/>
+          </a:prstGeom>
+          <a:noFill/>
+        </p:spPr>
+        <p:txBody>
+          <a:bodyPr wrap="none" rtlCol="0">
+            <a:spAutoFit/>
+          </a:bodyPr>
+          <a:lstStyle/>
+          <a:p>
+            <a:r>
+              <a:rPr lang="en-US" altLang="ko-KR" dirty="0"/>
+              <a:t>common_mapicons.html</a:t>
+            </a:r>
+            <a:endParaRPr lang="ko-KR" altLang="en-US" dirty="0"/>
+          </a:p>
+        </p:txBody>
+      </p:sp>
+      <p:pic>
+        <p:nvPicPr>
+          <p:cNvPr id="4" name="그림 3"/>
+          <p:cNvPicPr>
+            <a:picLocks noChangeAspect="1"/>
+          </p:cNvPicPr>
+          <p:nvPr/>
+        </p:nvPicPr>
+        <p:blipFill>
+          <a:blip r:embed="rId2"/>
+          <a:stretch>
+            <a:fillRect/>
+          </a:stretch>
+        </p:blipFill>
+        <p:spPr>
+          <a:xfrm>
+            <a:off x="3877065" y="1283169"/>
+            <a:ext cx="4467849" cy="724001"/>
+          </a:xfrm>
+          <a:prstGeom prst="rect">
+            <a:avLst/>
+          </a:prstGeom>
+        </p:spPr>
+      </p:pic>
+      <p:cxnSp>
+        <p:nvCxnSpPr>
+          <p:cNvPr id="6" name="직선 연결선 5"/>
+          <p:cNvCxnSpPr/>
+          <p:nvPr/>
+        </p:nvCxnSpPr>
+        <p:spPr>
+          <a:xfrm>
+            <a:off x="5778708" y="1484025"/>
+            <a:ext cx="1693889" cy="0"/>
+          </a:xfrm>
+          <a:prstGeom prst="line">
+            <a:avLst/>
+          </a:prstGeom>
+        </p:spPr>
+        <p:style>
+          <a:lnRef idx="3">
+            <a:schemeClr val="accent4"/>
+          </a:lnRef>
+          <a:fillRef idx="0">
+            <a:schemeClr val="accent4"/>
+          </a:fillRef>
+          <a:effectRef idx="2">
+            <a:schemeClr val="accent4"/>
+          </a:effectRef>
+          <a:fontRef idx="minor">
+            <a:schemeClr val="tx1"/>
+          </a:fontRef>
+        </p:style>
+      </p:cxnSp>
+      <p:sp>
+        <p:nvSpPr>
+          <p:cNvPr id="7" name="TextBox 6"/>
+          <p:cNvSpPr txBox="1"/>
+          <p:nvPr/>
+        </p:nvSpPr>
+        <p:spPr>
+          <a:xfrm>
+            <a:off x="5591329" y="2443396"/>
+            <a:ext cx="2746265" cy="307777"/>
+          </a:xfrm>
+          <a:prstGeom prst="rect">
+            <a:avLst/>
+          </a:prstGeom>
+          <a:noFill/>
+        </p:spPr>
+        <p:txBody>
+          <a:bodyPr wrap="none" rtlCol="0">
+            <a:spAutoFit/>
+          </a:bodyPr>
+          <a:lstStyle/>
+          <a:p>
+            <a:r>
+              <a:rPr lang="ko-KR" altLang="en-US" sz="1400" dirty="0" smtClean="0"/>
+              <a:t>가로 크기만 넣어주시면 됩니다</a:t>
+            </a:r>
+            <a:r>
+              <a:rPr lang="en-US" altLang="ko-KR" sz="1400" dirty="0" smtClean="0"/>
+              <a:t>.</a:t>
+            </a:r>
+            <a:endParaRPr lang="ko-KR" altLang="en-US" sz="1400" dirty="0"/>
+          </a:p>
+        </p:txBody>
+      </p:sp>
+      <p:cxnSp>
+        <p:nvCxnSpPr>
+          <p:cNvPr id="9" name="직선 화살표 연결선 8"/>
+          <p:cNvCxnSpPr/>
+          <p:nvPr/>
+        </p:nvCxnSpPr>
+        <p:spPr>
+          <a:xfrm flipV="1">
+            <a:off x="6468256" y="1514007"/>
+            <a:ext cx="0" cy="771993"/>
+          </a:xfrm>
+          <a:prstGeom prst="straightConnector1">
+            <a:avLst/>
+          </a:prstGeom>
+          <a:ln>
+            <a:tailEnd type="triangle"/>
+          </a:ln>
+        </p:spPr>
+        <p:style>
+          <a:lnRef idx="1">
+            <a:schemeClr val="accent1"/>
+          </a:lnRef>
+          <a:fillRef idx="0">
+            <a:schemeClr val="accent1"/>
+          </a:fillRef>
+          <a:effectRef idx="0">
+            <a:schemeClr val="accent1"/>
+          </a:effectRef>
+          <a:fontRef idx="minor">
+            <a:schemeClr val="tx1"/>
+          </a:fontRef>
+        </p:style>
+      </p:cxnSp>
+      <p:pic>
+        <p:nvPicPr>
+          <p:cNvPr id="10" name="그림 9"/>
+          <p:cNvPicPr>
+            <a:picLocks noChangeAspect="1"/>
+          </p:cNvPicPr>
+          <p:nvPr/>
+        </p:nvPicPr>
+        <p:blipFill>
+          <a:blip r:embed="rId3"/>
+          <a:stretch>
+            <a:fillRect/>
+          </a:stretch>
+        </p:blipFill>
+        <p:spPr>
+          <a:xfrm>
+            <a:off x="3864595" y="3481607"/>
+            <a:ext cx="4163006" cy="209579"/>
+          </a:xfrm>
+          <a:prstGeom prst="rect">
+            <a:avLst/>
+          </a:prstGeom>
+        </p:spPr>
+      </p:pic>
+      <p:cxnSp>
+        <p:nvCxnSpPr>
+          <p:cNvPr id="12" name="직선 화살표 연결선 11"/>
+          <p:cNvCxnSpPr/>
+          <p:nvPr/>
+        </p:nvCxnSpPr>
+        <p:spPr>
+          <a:xfrm flipV="1">
+            <a:off x="5988570" y="3792511"/>
+            <a:ext cx="0" cy="337279"/>
+          </a:xfrm>
+          <a:prstGeom prst="straightConnector1">
+            <a:avLst/>
+          </a:prstGeom>
+          <a:ln>
+            <a:tailEnd type="triangle"/>
+          </a:ln>
+        </p:spPr>
+        <p:style>
+          <a:lnRef idx="1">
+            <a:schemeClr val="accent1"/>
+          </a:lnRef>
+          <a:fillRef idx="0">
+            <a:schemeClr val="accent1"/>
+          </a:fillRef>
+          <a:effectRef idx="0">
+            <a:schemeClr val="accent1"/>
+          </a:effectRef>
+          <a:fontRef idx="minor">
+            <a:schemeClr val="tx1"/>
+          </a:fontRef>
+        </p:style>
+      </p:cxnSp>
+      <p:sp>
+        <p:nvSpPr>
+          <p:cNvPr id="13" name="TextBox 12"/>
+          <p:cNvSpPr txBox="1"/>
+          <p:nvPr/>
+        </p:nvSpPr>
+        <p:spPr>
+          <a:xfrm>
+            <a:off x="5046686" y="4162268"/>
+            <a:ext cx="1943609" cy="307777"/>
+          </a:xfrm>
+          <a:prstGeom prst="rect">
+            <a:avLst/>
+          </a:prstGeom>
+          <a:noFill/>
+        </p:spPr>
+        <p:txBody>
+          <a:bodyPr wrap="none" rtlCol="0">
+            <a:spAutoFit/>
+          </a:bodyPr>
+          <a:lstStyle/>
+          <a:p>
+            <a:r>
+              <a:rPr lang="en-US" altLang="ko-KR" sz="1400" dirty="0" smtClean="0"/>
+              <a:t>Active </a:t>
+            </a:r>
+            <a:r>
+              <a:rPr lang="ko-KR" altLang="en-US" sz="1400" dirty="0" smtClean="0"/>
+              <a:t>추가 시 활성화</a:t>
+            </a:r>
+            <a:endParaRPr lang="ko-KR" altLang="en-US" sz="1400" dirty="0"/>
+          </a:p>
+        </p:txBody>
+      </p:sp>
+      <p:cxnSp>
+        <p:nvCxnSpPr>
+          <p:cNvPr id="15" name="직선 화살표 연결선 14"/>
+          <p:cNvCxnSpPr/>
+          <p:nvPr/>
+        </p:nvCxnSpPr>
+        <p:spPr>
+          <a:xfrm flipH="1">
+            <a:off x="3387777" y="3560164"/>
+            <a:ext cx="292308" cy="0"/>
+          </a:xfrm>
+          <a:prstGeom prst="straightConnector1">
+            <a:avLst/>
+          </a:prstGeom>
+          <a:ln>
+            <a:tailEnd type="triangle"/>
+          </a:ln>
+        </p:spPr>
+        <p:style>
+          <a:lnRef idx="1">
+            <a:schemeClr val="accent1"/>
+          </a:lnRef>
+          <a:fillRef idx="0">
+            <a:schemeClr val="accent1"/>
+          </a:fillRef>
+          <a:effectRef idx="0">
+            <a:schemeClr val="accent1"/>
+          </a:effectRef>
+          <a:fontRef idx="minor">
+            <a:schemeClr val="tx1"/>
+          </a:fontRef>
+        </p:style>
+      </p:cxnSp>
+      <p:pic>
+        <p:nvPicPr>
+          <p:cNvPr id="16" name="그림 15"/>
+          <p:cNvPicPr>
+            <a:picLocks noChangeAspect="1"/>
+          </p:cNvPicPr>
+          <p:nvPr/>
+        </p:nvPicPr>
+        <p:blipFill>
+          <a:blip r:embed="rId4"/>
+          <a:stretch>
+            <a:fillRect/>
+          </a:stretch>
+        </p:blipFill>
+        <p:spPr>
+          <a:xfrm>
+            <a:off x="545959" y="812932"/>
+            <a:ext cx="2763788" cy="5760255"/>
+          </a:xfrm>
+          <a:prstGeom prst="rect">
+            <a:avLst/>
+          </a:prstGeom>
+        </p:spPr>
+      </p:pic>
     </p:spTree>
     <p:extLst>
       <p:ext uri="{BB962C8B-B14F-4D97-AF65-F5344CB8AC3E}">
         <p14:creationId xmlns:p14="http://schemas.microsoft.com/office/powerpoint/2010/main" val="2894746833"/>
+      </p:ext>
+    </p:extLst>
+  </p:cSld>
+  <p:clrMapOvr>
+    <a:masterClrMapping/>
+  </p:clrMapOvr>
+</p:sld>
+</file>
+
+<file path=ppt/slides/slide7.xml><?xml version="1.0" encoding="utf-8"?>
+<p:sld xmlns:a="http://schemas.openxmlformats.org/drawingml/2006/main" xmlns:r="http://schemas.openxmlformats.org/officeDocument/2006/relationships" xmlns:p="http://schemas.openxmlformats.org/presentationml/2006/main">
+  <p:cSld>
+    <p:spTree>
+      <p:nvGrpSpPr>
+        <p:cNvPr id="1" name=""/>
+        <p:cNvGrpSpPr/>
+        <p:nvPr/>
+      </p:nvGrpSpPr>
+      <p:grpSpPr>
+        <a:xfrm>
+          <a:off x="0" y="0"/>
+          <a:ext cx="0" cy="0"/>
+          <a:chOff x="0" y="0"/>
+          <a:chExt cx="0" cy="0"/>
+        </a:xfrm>
+      </p:grpSpPr>
+    </p:spTree>
+    <p:extLst>
+      <p:ext uri="{BB962C8B-B14F-4D97-AF65-F5344CB8AC3E}">
+        <p14:creationId xmlns:p14="http://schemas.microsoft.com/office/powerpoint/2010/main" val="2039314453"/>
+      </p:ext>
+    </p:extLst>
+  </p:cSld>
+  <p:clrMapOvr>
+    <a:masterClrMapping/>
+  </p:clrMapOvr>
+</p:sld>
+</file>
+
+<file path=ppt/slides/slide8.xml><?xml version="1.0" encoding="utf-8"?>
+<p:sld xmlns:a="http://schemas.openxmlformats.org/drawingml/2006/main" xmlns:r="http://schemas.openxmlformats.org/officeDocument/2006/relationships" xmlns:p="http://schemas.openxmlformats.org/presentationml/2006/main">
+  <p:cSld>
+    <p:spTree>
+      <p:nvGrpSpPr>
+        <p:cNvPr id="1" name=""/>
+        <p:cNvGrpSpPr/>
+        <p:nvPr/>
+      </p:nvGrpSpPr>
+      <p:grpSpPr>
+        <a:xfrm>
+          <a:off x="0" y="0"/>
+          <a:ext cx="0" cy="0"/>
+          <a:chOff x="0" y="0"/>
+          <a:chExt cx="0" cy="0"/>
+        </a:xfrm>
+      </p:grpSpPr>
+    </p:spTree>
+    <p:extLst>
+      <p:ext uri="{BB962C8B-B14F-4D97-AF65-F5344CB8AC3E}">
+        <p14:creationId xmlns:p14="http://schemas.microsoft.com/office/powerpoint/2010/main" val="2566417445"/>
       </p:ext>
     </p:extLst>
   </p:cSld>

--- a/ppt/04-13.pptx
+++ b/ppt/04-13.pptx
@@ -4633,6 +4633,68 @@
           </a:prstGeom>
         </p:spPr>
       </p:pic>
+      <p:pic>
+        <p:nvPicPr>
+          <p:cNvPr id="3" name="그림 2"/>
+          <p:cNvPicPr>
+            <a:picLocks noChangeAspect="1"/>
+          </p:cNvPicPr>
+          <p:nvPr/>
+        </p:nvPicPr>
+        <p:blipFill>
+          <a:blip r:embed="rId5"/>
+          <a:stretch>
+            <a:fillRect/>
+          </a:stretch>
+        </p:blipFill>
+        <p:spPr>
+          <a:xfrm>
+            <a:off x="5073554" y="5278119"/>
+            <a:ext cx="5477639" cy="828791"/>
+          </a:xfrm>
+          <a:prstGeom prst="rect">
+            <a:avLst/>
+          </a:prstGeom>
+        </p:spPr>
+      </p:pic>
+      <p:sp>
+        <p:nvSpPr>
+          <p:cNvPr id="14" name="TextBox 13"/>
+          <p:cNvSpPr txBox="1"/>
+          <p:nvPr/>
+        </p:nvSpPr>
+        <p:spPr>
+          <a:xfrm>
+            <a:off x="7267728" y="6345835"/>
+            <a:ext cx="1386918" cy="307777"/>
+          </a:xfrm>
+          <a:prstGeom prst="rect">
+            <a:avLst/>
+          </a:prstGeom>
+          <a:noFill/>
+        </p:spPr>
+        <p:txBody>
+          <a:bodyPr wrap="none" rtlCol="0">
+            <a:spAutoFit/>
+          </a:bodyPr>
+          <a:lstStyle/>
+          <a:p>
+            <a:r>
+              <a:rPr lang="ko-KR" altLang="en-US" sz="1400" dirty="0" smtClean="0"/>
+              <a:t>다리 </a:t>
+            </a:r>
+            <a:r>
+              <a:rPr lang="ko-KR" altLang="en-US" sz="1400" dirty="0" err="1" smtClean="0"/>
+              <a:t>마커</a:t>
+            </a:r>
+            <a:r>
+              <a:rPr lang="ko-KR" altLang="en-US" sz="1400" dirty="0" smtClean="0"/>
+              <a:t> 추가</a:t>
+            </a:r>
+            <a:endParaRPr lang="ko-KR" altLang="en-US" sz="1400" dirty="0"/>
+          </a:p>
+        </p:txBody>
+      </p:sp>
     </p:spTree>
     <p:extLst>
       <p:ext uri="{BB962C8B-B14F-4D97-AF65-F5344CB8AC3E}">

--- a/ppt/04-13.pptx
+++ b/ppt/04-13.pptx
@@ -12,7 +12,8 @@
     <p:sldId id="262" r:id="rId6"/>
     <p:sldId id="263" r:id="rId7"/>
     <p:sldId id="264" r:id="rId8"/>
-    <p:sldId id="265" r:id="rId9"/>
+    <p:sldId id="266" r:id="rId9"/>
+    <p:sldId id="267" r:id="rId10"/>
   </p:sldIdLst>
   <p:sldSz cx="12192000" cy="6858000"/>
   <p:notesSz cx="6858000" cy="9144000"/>
@@ -250,7 +251,7 @@
           <a:p>
             <a:fld id="{D203A8F8-6A3C-431B-BFF3-386CC4580D21}" type="datetimeFigureOut">
               <a:rPr lang="ko-KR" altLang="en-US" smtClean="0"/>
-              <a:t>2022-04-13</a:t>
+              <a:t>2022-04-14</a:t>
             </a:fld>
             <a:endParaRPr lang="ko-KR" altLang="en-US"/>
           </a:p>
@@ -420,7 +421,7 @@
           <a:p>
             <a:fld id="{D203A8F8-6A3C-431B-BFF3-386CC4580D21}" type="datetimeFigureOut">
               <a:rPr lang="ko-KR" altLang="en-US" smtClean="0"/>
-              <a:t>2022-04-13</a:t>
+              <a:t>2022-04-14</a:t>
             </a:fld>
             <a:endParaRPr lang="ko-KR" altLang="en-US"/>
           </a:p>
@@ -600,7 +601,7 @@
           <a:p>
             <a:fld id="{D203A8F8-6A3C-431B-BFF3-386CC4580D21}" type="datetimeFigureOut">
               <a:rPr lang="ko-KR" altLang="en-US" smtClean="0"/>
-              <a:t>2022-04-13</a:t>
+              <a:t>2022-04-14</a:t>
             </a:fld>
             <a:endParaRPr lang="ko-KR" altLang="en-US"/>
           </a:p>
@@ -770,7 +771,7 @@
           <a:p>
             <a:fld id="{D203A8F8-6A3C-431B-BFF3-386CC4580D21}" type="datetimeFigureOut">
               <a:rPr lang="ko-KR" altLang="en-US" smtClean="0"/>
-              <a:t>2022-04-13</a:t>
+              <a:t>2022-04-14</a:t>
             </a:fld>
             <a:endParaRPr lang="ko-KR" altLang="en-US"/>
           </a:p>
@@ -1016,7 +1017,7 @@
           <a:p>
             <a:fld id="{D203A8F8-6A3C-431B-BFF3-386CC4580D21}" type="datetimeFigureOut">
               <a:rPr lang="ko-KR" altLang="en-US" smtClean="0"/>
-              <a:t>2022-04-13</a:t>
+              <a:t>2022-04-14</a:t>
             </a:fld>
             <a:endParaRPr lang="ko-KR" altLang="en-US"/>
           </a:p>
@@ -1248,7 +1249,7 @@
           <a:p>
             <a:fld id="{D203A8F8-6A3C-431B-BFF3-386CC4580D21}" type="datetimeFigureOut">
               <a:rPr lang="ko-KR" altLang="en-US" smtClean="0"/>
-              <a:t>2022-04-13</a:t>
+              <a:t>2022-04-14</a:t>
             </a:fld>
             <a:endParaRPr lang="ko-KR" altLang="en-US"/>
           </a:p>
@@ -1615,7 +1616,7 @@
           <a:p>
             <a:fld id="{D203A8F8-6A3C-431B-BFF3-386CC4580D21}" type="datetimeFigureOut">
               <a:rPr lang="ko-KR" altLang="en-US" smtClean="0"/>
-              <a:t>2022-04-13</a:t>
+              <a:t>2022-04-14</a:t>
             </a:fld>
             <a:endParaRPr lang="ko-KR" altLang="en-US"/>
           </a:p>
@@ -1733,7 +1734,7 @@
           <a:p>
             <a:fld id="{D203A8F8-6A3C-431B-BFF3-386CC4580D21}" type="datetimeFigureOut">
               <a:rPr lang="ko-KR" altLang="en-US" smtClean="0"/>
-              <a:t>2022-04-13</a:t>
+              <a:t>2022-04-14</a:t>
             </a:fld>
             <a:endParaRPr lang="ko-KR" altLang="en-US"/>
           </a:p>
@@ -1828,7 +1829,7 @@
           <a:p>
             <a:fld id="{D203A8F8-6A3C-431B-BFF3-386CC4580D21}" type="datetimeFigureOut">
               <a:rPr lang="ko-KR" altLang="en-US" smtClean="0"/>
-              <a:t>2022-04-13</a:t>
+              <a:t>2022-04-14</a:t>
             </a:fld>
             <a:endParaRPr lang="ko-KR" altLang="en-US"/>
           </a:p>
@@ -2105,7 +2106,7 @@
           <a:p>
             <a:fld id="{D203A8F8-6A3C-431B-BFF3-386CC4580D21}" type="datetimeFigureOut">
               <a:rPr lang="ko-KR" altLang="en-US" smtClean="0"/>
-              <a:t>2022-04-13</a:t>
+              <a:t>2022-04-14</a:t>
             </a:fld>
             <a:endParaRPr lang="ko-KR" altLang="en-US"/>
           </a:p>
@@ -2358,7 +2359,7 @@
           <a:p>
             <a:fld id="{D203A8F8-6A3C-431B-BFF3-386CC4580D21}" type="datetimeFigureOut">
               <a:rPr lang="ko-KR" altLang="en-US" smtClean="0"/>
-              <a:t>2022-04-13</a:t>
+              <a:t>2022-04-14</a:t>
             </a:fld>
             <a:endParaRPr lang="ko-KR" altLang="en-US"/>
           </a:p>
@@ -2571,7 +2572,7 @@
           <a:p>
             <a:fld id="{D203A8F8-6A3C-431B-BFF3-386CC4580D21}" type="datetimeFigureOut">
               <a:rPr lang="ko-KR" altLang="en-US" smtClean="0"/>
-              <a:t>2022-04-13</a:t>
+              <a:t>2022-04-14</a:t>
             </a:fld>
             <a:endParaRPr lang="ko-KR" altLang="en-US"/>
           </a:p>
@@ -4725,6 +4726,151 @@
           <a:chExt cx="0" cy="0"/>
         </a:xfrm>
       </p:grpSpPr>
+      <p:sp>
+        <p:nvSpPr>
+          <p:cNvPr id="2" name="TextBox 1"/>
+          <p:cNvSpPr txBox="1"/>
+          <p:nvPr/>
+        </p:nvSpPr>
+        <p:spPr>
+          <a:xfrm>
+            <a:off x="517160" y="232347"/>
+            <a:ext cx="1821332" cy="369332"/>
+          </a:xfrm>
+          <a:prstGeom prst="rect">
+            <a:avLst/>
+          </a:prstGeom>
+          <a:noFill/>
+        </p:spPr>
+        <p:txBody>
+          <a:bodyPr wrap="none" rtlCol="0">
+            <a:spAutoFit/>
+          </a:bodyPr>
+          <a:lstStyle/>
+          <a:p>
+            <a:r>
+              <a:rPr lang="en-US" altLang="ko-KR" dirty="0"/>
+              <a:t>UI-SJN-32-021L</a:t>
+            </a:r>
+            <a:endParaRPr lang="ko-KR" altLang="en-US" dirty="0"/>
+          </a:p>
+        </p:txBody>
+      </p:sp>
+      <p:pic>
+        <p:nvPicPr>
+          <p:cNvPr id="3" name="그림 2"/>
+          <p:cNvPicPr>
+            <a:picLocks noChangeAspect="1"/>
+          </p:cNvPicPr>
+          <p:nvPr/>
+        </p:nvPicPr>
+        <p:blipFill>
+          <a:blip r:embed="rId2"/>
+          <a:stretch>
+            <a:fillRect/>
+          </a:stretch>
+        </p:blipFill>
+        <p:spPr>
+          <a:xfrm>
+            <a:off x="614808" y="1295293"/>
+            <a:ext cx="3677163" cy="1524213"/>
+          </a:xfrm>
+          <a:prstGeom prst="rect">
+            <a:avLst/>
+          </a:prstGeom>
+        </p:spPr>
+      </p:pic>
+      <p:cxnSp>
+        <p:nvCxnSpPr>
+          <p:cNvPr id="5" name="직선 화살표 연결선 4"/>
+          <p:cNvCxnSpPr/>
+          <p:nvPr/>
+        </p:nvCxnSpPr>
+        <p:spPr>
+          <a:xfrm flipV="1">
+            <a:off x="1109272" y="2151089"/>
+            <a:ext cx="0" cy="1454045"/>
+          </a:xfrm>
+          <a:prstGeom prst="straightConnector1">
+            <a:avLst/>
+          </a:prstGeom>
+          <a:ln>
+            <a:tailEnd type="triangle"/>
+          </a:ln>
+        </p:spPr>
+        <p:style>
+          <a:lnRef idx="1">
+            <a:schemeClr val="accent1"/>
+          </a:lnRef>
+          <a:fillRef idx="0">
+            <a:schemeClr val="accent1"/>
+          </a:fillRef>
+          <a:effectRef idx="0">
+            <a:schemeClr val="accent1"/>
+          </a:effectRef>
+          <a:fontRef idx="minor">
+            <a:schemeClr val="tx1"/>
+          </a:fontRef>
+        </p:style>
+      </p:cxnSp>
+      <p:pic>
+        <p:nvPicPr>
+          <p:cNvPr id="6" name="그림 5"/>
+          <p:cNvPicPr>
+            <a:picLocks noChangeAspect="1"/>
+          </p:cNvPicPr>
+          <p:nvPr/>
+        </p:nvPicPr>
+        <p:blipFill>
+          <a:blip r:embed="rId3"/>
+          <a:stretch>
+            <a:fillRect/>
+          </a:stretch>
+        </p:blipFill>
+        <p:spPr>
+          <a:xfrm>
+            <a:off x="861581" y="3846069"/>
+            <a:ext cx="2838846" cy="1114581"/>
+          </a:xfrm>
+          <a:prstGeom prst="rect">
+            <a:avLst/>
+          </a:prstGeom>
+        </p:spPr>
+      </p:pic>
+      <p:sp>
+        <p:nvSpPr>
+          <p:cNvPr id="7" name="TextBox 6"/>
+          <p:cNvSpPr txBox="1"/>
+          <p:nvPr/>
+        </p:nvSpPr>
+        <p:spPr>
+          <a:xfrm>
+            <a:off x="4267198" y="4049842"/>
+            <a:ext cx="1903085" cy="307777"/>
+          </a:xfrm>
+          <a:prstGeom prst="rect">
+            <a:avLst/>
+          </a:prstGeom>
+          <a:noFill/>
+        </p:spPr>
+        <p:txBody>
+          <a:bodyPr wrap="none" rtlCol="0">
+            <a:spAutoFit/>
+          </a:bodyPr>
+          <a:lstStyle/>
+          <a:p>
+            <a:r>
+              <a:rPr lang="ko-KR" altLang="en-US" sz="1400" dirty="0" smtClean="0"/>
+              <a:t>색상이 변경됐습니다</a:t>
+            </a:r>
+            <a:r>
+              <a:rPr lang="en-US" altLang="ko-KR" sz="1400" dirty="0" smtClean="0"/>
+              <a:t>.</a:t>
+            </a:r>
+            <a:endParaRPr lang="ko-KR" altLang="en-US" sz="1400" dirty="0"/>
+          </a:p>
+        </p:txBody>
+      </p:sp>
     </p:spTree>
     <p:extLst>
       <p:ext uri="{BB962C8B-B14F-4D97-AF65-F5344CB8AC3E}">
@@ -4755,10 +4901,282 @@
           <a:chExt cx="0" cy="0"/>
         </a:xfrm>
       </p:grpSpPr>
+      <p:pic>
+        <p:nvPicPr>
+          <p:cNvPr id="2" name="그림 1"/>
+          <p:cNvPicPr>
+            <a:picLocks noChangeAspect="1"/>
+          </p:cNvPicPr>
+          <p:nvPr/>
+        </p:nvPicPr>
+        <p:blipFill>
+          <a:blip r:embed="rId2"/>
+          <a:stretch>
+            <a:fillRect/>
+          </a:stretch>
+        </p:blipFill>
+        <p:spPr>
+          <a:xfrm>
+            <a:off x="1289436" y="1504893"/>
+            <a:ext cx="3781953" cy="4163006"/>
+          </a:xfrm>
+          <a:prstGeom prst="rect">
+            <a:avLst/>
+          </a:prstGeom>
+        </p:spPr>
+      </p:pic>
+      <p:sp>
+        <p:nvSpPr>
+          <p:cNvPr id="3" name="TextBox 2"/>
+          <p:cNvSpPr txBox="1"/>
+          <p:nvPr/>
+        </p:nvSpPr>
+        <p:spPr>
+          <a:xfrm>
+            <a:off x="6125978" y="2438400"/>
+            <a:ext cx="4729180" cy="307777"/>
+          </a:xfrm>
+          <a:prstGeom prst="rect">
+            <a:avLst/>
+          </a:prstGeom>
+          <a:noFill/>
+        </p:spPr>
+        <p:txBody>
+          <a:bodyPr wrap="none" rtlCol="0">
+            <a:spAutoFit/>
+          </a:bodyPr>
+          <a:lstStyle/>
+          <a:p>
+            <a:r>
+              <a:rPr lang="ko-KR" altLang="en-US" sz="1400" dirty="0" smtClean="0"/>
+              <a:t>건조주의보가 영향을 주진 않습니다</a:t>
+            </a:r>
+            <a:r>
+              <a:rPr lang="en-US" altLang="ko-KR" sz="1400" dirty="0" smtClean="0"/>
+              <a:t>. </a:t>
+            </a:r>
+            <a:r>
+              <a:rPr lang="ko-KR" altLang="en-US" sz="1400" dirty="0" smtClean="0"/>
+              <a:t>편하게 넣고 빼세요</a:t>
+            </a:r>
+            <a:r>
+              <a:rPr lang="en-US" altLang="ko-KR" sz="1400" dirty="0" smtClean="0"/>
+              <a:t>.</a:t>
+            </a:r>
+            <a:endParaRPr lang="ko-KR" altLang="en-US" sz="1400" dirty="0"/>
+          </a:p>
+        </p:txBody>
+      </p:sp>
+      <p:cxnSp>
+        <p:nvCxnSpPr>
+          <p:cNvPr id="6" name="직선 화살표 연결선 5"/>
+          <p:cNvCxnSpPr/>
+          <p:nvPr/>
+        </p:nvCxnSpPr>
+        <p:spPr>
+          <a:xfrm flipH="1">
+            <a:off x="4894289" y="2585803"/>
+            <a:ext cx="876925" cy="0"/>
+          </a:xfrm>
+          <a:prstGeom prst="straightConnector1">
+            <a:avLst/>
+          </a:prstGeom>
+          <a:ln>
+            <a:tailEnd type="triangle"/>
+          </a:ln>
+        </p:spPr>
+        <p:style>
+          <a:lnRef idx="1">
+            <a:schemeClr val="accent1"/>
+          </a:lnRef>
+          <a:fillRef idx="0">
+            <a:schemeClr val="accent1"/>
+          </a:fillRef>
+          <a:effectRef idx="0">
+            <a:schemeClr val="accent1"/>
+          </a:effectRef>
+          <a:fontRef idx="minor">
+            <a:schemeClr val="tx1"/>
+          </a:fontRef>
+        </p:style>
+      </p:cxnSp>
     </p:spTree>
     <p:extLst>
       <p:ext uri="{BB962C8B-B14F-4D97-AF65-F5344CB8AC3E}">
-        <p14:creationId xmlns:p14="http://schemas.microsoft.com/office/powerpoint/2010/main" val="2566417445"/>
+        <p14:creationId xmlns:p14="http://schemas.microsoft.com/office/powerpoint/2010/main" val="1521193474"/>
+      </p:ext>
+    </p:extLst>
+  </p:cSld>
+  <p:clrMapOvr>
+    <a:masterClrMapping/>
+  </p:clrMapOvr>
+</p:sld>
+</file>
+
+<file path=ppt/slides/slide9.xml><?xml version="1.0" encoding="utf-8"?>
+<p:sld xmlns:a="http://schemas.openxmlformats.org/drawingml/2006/main" xmlns:r="http://schemas.openxmlformats.org/officeDocument/2006/relationships" xmlns:p="http://schemas.openxmlformats.org/presentationml/2006/main">
+  <p:cSld>
+    <p:spTree>
+      <p:nvGrpSpPr>
+        <p:cNvPr id="1" name=""/>
+        <p:cNvGrpSpPr/>
+        <p:nvPr/>
+      </p:nvGrpSpPr>
+      <p:grpSpPr>
+        <a:xfrm>
+          <a:off x="0" y="0"/>
+          <a:ext cx="0" cy="0"/>
+          <a:chOff x="0" y="0"/>
+          <a:chExt cx="0" cy="0"/>
+        </a:xfrm>
+      </p:grpSpPr>
+      <p:pic>
+        <p:nvPicPr>
+          <p:cNvPr id="2" name="그림 1"/>
+          <p:cNvPicPr>
+            <a:picLocks noChangeAspect="1"/>
+          </p:cNvPicPr>
+          <p:nvPr/>
+        </p:nvPicPr>
+        <p:blipFill>
+          <a:blip r:embed="rId2"/>
+          <a:stretch>
+            <a:fillRect/>
+          </a:stretch>
+        </p:blipFill>
+        <p:spPr>
+          <a:xfrm>
+            <a:off x="7297200" y="523604"/>
+            <a:ext cx="3953427" cy="5001323"/>
+          </a:xfrm>
+          <a:prstGeom prst="rect">
+            <a:avLst/>
+          </a:prstGeom>
+        </p:spPr>
+      </p:pic>
+      <p:pic>
+        <p:nvPicPr>
+          <p:cNvPr id="3" name="그림 2"/>
+          <p:cNvPicPr>
+            <a:picLocks noChangeAspect="1"/>
+          </p:cNvPicPr>
+          <p:nvPr/>
+        </p:nvPicPr>
+        <p:blipFill>
+          <a:blip r:embed="rId3"/>
+          <a:stretch>
+            <a:fillRect/>
+          </a:stretch>
+        </p:blipFill>
+        <p:spPr>
+          <a:xfrm>
+            <a:off x="1516115" y="573756"/>
+            <a:ext cx="4467849" cy="4601217"/>
+          </a:xfrm>
+          <a:prstGeom prst="rect">
+            <a:avLst/>
+          </a:prstGeom>
+        </p:spPr>
+      </p:pic>
+      <p:cxnSp>
+        <p:nvCxnSpPr>
+          <p:cNvPr id="5" name="직선 화살표 연결선 4"/>
+          <p:cNvCxnSpPr/>
+          <p:nvPr/>
+        </p:nvCxnSpPr>
+        <p:spPr>
+          <a:xfrm flipV="1">
+            <a:off x="9443803" y="5673778"/>
+            <a:ext cx="0" cy="404733"/>
+          </a:xfrm>
+          <a:prstGeom prst="straightConnector1">
+            <a:avLst/>
+          </a:prstGeom>
+          <a:ln>
+            <a:tailEnd type="triangle"/>
+          </a:ln>
+        </p:spPr>
+        <p:style>
+          <a:lnRef idx="1">
+            <a:schemeClr val="accent1"/>
+          </a:lnRef>
+          <a:fillRef idx="0">
+            <a:schemeClr val="accent1"/>
+          </a:fillRef>
+          <a:effectRef idx="0">
+            <a:schemeClr val="accent1"/>
+          </a:effectRef>
+          <a:fontRef idx="minor">
+            <a:schemeClr val="tx1"/>
+          </a:fontRef>
+        </p:style>
+      </p:cxnSp>
+      <p:sp>
+        <p:nvSpPr>
+          <p:cNvPr id="7" name="TextBox 6"/>
+          <p:cNvSpPr txBox="1"/>
+          <p:nvPr/>
+        </p:nvSpPr>
+        <p:spPr>
+          <a:xfrm>
+            <a:off x="8329533" y="6223416"/>
+            <a:ext cx="2789546" cy="307777"/>
+          </a:xfrm>
+          <a:prstGeom prst="rect">
+            <a:avLst/>
+          </a:prstGeom>
+          <a:noFill/>
+        </p:spPr>
+        <p:txBody>
+          <a:bodyPr wrap="none" rtlCol="0">
+            <a:spAutoFit/>
+          </a:bodyPr>
+          <a:lstStyle/>
+          <a:p>
+            <a:r>
+              <a:rPr lang="ko-KR" altLang="en-US" sz="1400" dirty="0" smtClean="0">
+                <a:solidFill>
+                  <a:srgbClr val="FF0000"/>
+                </a:solidFill>
+              </a:rPr>
+              <a:t>날씨 </a:t>
+            </a:r>
+            <a:r>
+              <a:rPr lang="ko-KR" altLang="en-US" sz="1400" dirty="0" err="1" smtClean="0">
+                <a:solidFill>
+                  <a:srgbClr val="FF0000"/>
+                </a:solidFill>
+              </a:rPr>
+              <a:t>처럼</a:t>
+            </a:r>
+            <a:r>
+              <a:rPr lang="ko-KR" altLang="en-US" sz="1400" dirty="0" smtClean="0">
+                <a:solidFill>
+                  <a:srgbClr val="FF0000"/>
+                </a:solidFill>
+              </a:rPr>
+              <a:t> 펼쳐지는 형태인가요</a:t>
+            </a:r>
+            <a:r>
+              <a:rPr lang="en-US" altLang="ko-KR" sz="1400" dirty="0" smtClean="0">
+                <a:solidFill>
+                  <a:srgbClr val="FF0000"/>
+                </a:solidFill>
+              </a:rPr>
+              <a:t>?</a:t>
+            </a:r>
+            <a:endParaRPr lang="ko-KR" altLang="en-US" sz="1400" dirty="0">
+              <a:solidFill>
+                <a:srgbClr val="FF0000"/>
+              </a:solidFill>
+            </a:endParaRPr>
+          </a:p>
+        </p:txBody>
+      </p:sp>
+    </p:spTree>
+    <p:extLst>
+      <p:ext uri="{BB962C8B-B14F-4D97-AF65-F5344CB8AC3E}">
+        <p14:creationId xmlns:p14="http://schemas.microsoft.com/office/powerpoint/2010/main" val="2618070909"/>
       </p:ext>
     </p:extLst>
   </p:cSld>
